--- a/Figures-Yi.pptx
+++ b/Figures-Yi.pptx
@@ -262,7 +262,7 @@
           <a:p>
             <a:fld id="{9BED4BE8-31C7-403D-911A-3E727E0E58BF}" type="datetimeFigureOut">
               <a:rPr lang="en-US" smtClean="0"/>
-              <a:t>8/18/2021</a:t>
+              <a:t>8/19/2021</a:t>
             </a:fld>
             <a:endParaRPr lang="en-US" dirty="0"/>
           </a:p>
@@ -460,7 +460,7 @@
           <a:p>
             <a:fld id="{9BED4BE8-31C7-403D-911A-3E727E0E58BF}" type="datetimeFigureOut">
               <a:rPr lang="en-US" smtClean="0"/>
-              <a:t>8/18/2021</a:t>
+              <a:t>8/19/2021</a:t>
             </a:fld>
             <a:endParaRPr lang="en-US" dirty="0"/>
           </a:p>
@@ -668,7 +668,7 @@
           <a:p>
             <a:fld id="{9BED4BE8-31C7-403D-911A-3E727E0E58BF}" type="datetimeFigureOut">
               <a:rPr lang="en-US" smtClean="0"/>
-              <a:t>8/18/2021</a:t>
+              <a:t>8/19/2021</a:t>
             </a:fld>
             <a:endParaRPr lang="en-US" dirty="0"/>
           </a:p>
@@ -866,7 +866,7 @@
           <a:p>
             <a:fld id="{9BED4BE8-31C7-403D-911A-3E727E0E58BF}" type="datetimeFigureOut">
               <a:rPr lang="en-US" smtClean="0"/>
-              <a:t>8/18/2021</a:t>
+              <a:t>8/19/2021</a:t>
             </a:fld>
             <a:endParaRPr lang="en-US" dirty="0"/>
           </a:p>
@@ -1141,7 +1141,7 @@
           <a:p>
             <a:fld id="{9BED4BE8-31C7-403D-911A-3E727E0E58BF}" type="datetimeFigureOut">
               <a:rPr lang="en-US" smtClean="0"/>
-              <a:t>8/18/2021</a:t>
+              <a:t>8/19/2021</a:t>
             </a:fld>
             <a:endParaRPr lang="en-US" dirty="0"/>
           </a:p>
@@ -1406,7 +1406,7 @@
           <a:p>
             <a:fld id="{9BED4BE8-31C7-403D-911A-3E727E0E58BF}" type="datetimeFigureOut">
               <a:rPr lang="en-US" smtClean="0"/>
-              <a:t>8/18/2021</a:t>
+              <a:t>8/19/2021</a:t>
             </a:fld>
             <a:endParaRPr lang="en-US" dirty="0"/>
           </a:p>
@@ -1818,7 +1818,7 @@
           <a:p>
             <a:fld id="{9BED4BE8-31C7-403D-911A-3E727E0E58BF}" type="datetimeFigureOut">
               <a:rPr lang="en-US" smtClean="0"/>
-              <a:t>8/18/2021</a:t>
+              <a:t>8/19/2021</a:t>
             </a:fld>
             <a:endParaRPr lang="en-US" dirty="0"/>
           </a:p>
@@ -1959,7 +1959,7 @@
           <a:p>
             <a:fld id="{9BED4BE8-31C7-403D-911A-3E727E0E58BF}" type="datetimeFigureOut">
               <a:rPr lang="en-US" smtClean="0"/>
-              <a:t>8/18/2021</a:t>
+              <a:t>8/19/2021</a:t>
             </a:fld>
             <a:endParaRPr lang="en-US" dirty="0"/>
           </a:p>
@@ -2072,7 +2072,7 @@
           <a:p>
             <a:fld id="{9BED4BE8-31C7-403D-911A-3E727E0E58BF}" type="datetimeFigureOut">
               <a:rPr lang="en-US" smtClean="0"/>
-              <a:t>8/18/2021</a:t>
+              <a:t>8/19/2021</a:t>
             </a:fld>
             <a:endParaRPr lang="en-US" dirty="0"/>
           </a:p>
@@ -2383,7 +2383,7 @@
           <a:p>
             <a:fld id="{9BED4BE8-31C7-403D-911A-3E727E0E58BF}" type="datetimeFigureOut">
               <a:rPr lang="en-US" smtClean="0"/>
-              <a:t>8/18/2021</a:t>
+              <a:t>8/19/2021</a:t>
             </a:fld>
             <a:endParaRPr lang="en-US" dirty="0"/>
           </a:p>
@@ -2671,7 +2671,7 @@
           <a:p>
             <a:fld id="{9BED4BE8-31C7-403D-911A-3E727E0E58BF}" type="datetimeFigureOut">
               <a:rPr lang="en-US" smtClean="0"/>
-              <a:t>8/18/2021</a:t>
+              <a:t>8/19/2021</a:t>
             </a:fld>
             <a:endParaRPr lang="en-US" dirty="0"/>
           </a:p>
@@ -2912,7 +2912,7 @@
           <a:p>
             <a:fld id="{9BED4BE8-31C7-403D-911A-3E727E0E58BF}" type="datetimeFigureOut">
               <a:rPr lang="en-US" smtClean="0"/>
-              <a:t>8/18/2021</a:t>
+              <a:t>8/19/2021</a:t>
             </a:fld>
             <a:endParaRPr lang="en-US" dirty="0"/>
           </a:p>
@@ -14489,9 +14489,10 @@
             <a:lstStyle/>
             <a:p>
               <a:r>
-                <a:rPr lang="en-US" dirty="0"/>
-                <a:t>Execution Path</a:t>
+                <a:rPr lang="en-US"/>
+                <a:t>Execution Trace</a:t>
               </a:r>
+              <a:endParaRPr lang="en-US" dirty="0"/>
             </a:p>
           </p:txBody>
         </p:sp>
